--- a/5 - Administração do Microsoft SQL Server 2017/Linkedin.pptx
+++ b/5 - Administração do Microsoft SQL Server 2017/Linkedin.pptx
@@ -6,8 +6,25 @@
   </p:sldMasterIdLst>
   <p:sldIdLst>
     <p:sldId id="256" r:id="rId2"/>
-    <p:sldId id="328" r:id="rId3"/>
-    <p:sldId id="326" r:id="rId4"/>
+    <p:sldId id="329" r:id="rId3"/>
+    <p:sldId id="330" r:id="rId4"/>
+    <p:sldId id="331" r:id="rId5"/>
+    <p:sldId id="332" r:id="rId6"/>
+    <p:sldId id="333" r:id="rId7"/>
+    <p:sldId id="334" r:id="rId8"/>
+    <p:sldId id="335" r:id="rId9"/>
+    <p:sldId id="336" r:id="rId10"/>
+    <p:sldId id="337" r:id="rId11"/>
+    <p:sldId id="338" r:id="rId12"/>
+    <p:sldId id="339" r:id="rId13"/>
+    <p:sldId id="340" r:id="rId14"/>
+    <p:sldId id="341" r:id="rId15"/>
+    <p:sldId id="342" r:id="rId16"/>
+    <p:sldId id="343" r:id="rId17"/>
+    <p:sldId id="344" r:id="rId18"/>
+    <p:sldId id="345" r:id="rId19"/>
+    <p:sldId id="328" r:id="rId20"/>
+    <p:sldId id="326" r:id="rId21"/>
   </p:sldIdLst>
   <p:sldSz cx="9144000" cy="6858000" type="screen4x3"/>
   <p:notesSz cx="6858000" cy="9144000"/>
@@ -283,7 +300,7 @@
             <a:fld id="{41371B2D-5B36-42E3-97A0-9B2A345893FE}" type="datetimeFigureOut">
               <a:rPr lang="pt-BR" smtClean="0"/>
               <a:pPr/>
-              <a:t>18/07/2021</a:t>
+              <a:t>26/07/2021</a:t>
             </a:fld>
             <a:endParaRPr lang="pt-BR"/>
           </a:p>
@@ -450,7 +467,7 @@
             <a:fld id="{41371B2D-5B36-42E3-97A0-9B2A345893FE}" type="datetimeFigureOut">
               <a:rPr lang="pt-BR" smtClean="0"/>
               <a:pPr/>
-              <a:t>18/07/2021</a:t>
+              <a:t>26/07/2021</a:t>
             </a:fld>
             <a:endParaRPr lang="pt-BR"/>
           </a:p>
@@ -627,7 +644,7 @@
             <a:fld id="{41371B2D-5B36-42E3-97A0-9B2A345893FE}" type="datetimeFigureOut">
               <a:rPr lang="pt-BR" smtClean="0"/>
               <a:pPr/>
-              <a:t>18/07/2021</a:t>
+              <a:t>26/07/2021</a:t>
             </a:fld>
             <a:endParaRPr lang="pt-BR"/>
           </a:p>
@@ -794,7 +811,7 @@
             <a:fld id="{41371B2D-5B36-42E3-97A0-9B2A345893FE}" type="datetimeFigureOut">
               <a:rPr lang="pt-BR" smtClean="0"/>
               <a:pPr/>
-              <a:t>18/07/2021</a:t>
+              <a:t>26/07/2021</a:t>
             </a:fld>
             <a:endParaRPr lang="pt-BR"/>
           </a:p>
@@ -1038,7 +1055,7 @@
             <a:fld id="{41371B2D-5B36-42E3-97A0-9B2A345893FE}" type="datetimeFigureOut">
               <a:rPr lang="pt-BR" smtClean="0"/>
               <a:pPr/>
-              <a:t>18/07/2021</a:t>
+              <a:t>26/07/2021</a:t>
             </a:fld>
             <a:endParaRPr lang="pt-BR"/>
           </a:p>
@@ -1304,7 +1321,7 @@
             <a:fld id="{41371B2D-5B36-42E3-97A0-9B2A345893FE}" type="datetimeFigureOut">
               <a:rPr lang="pt-BR" smtClean="0"/>
               <a:pPr/>
-              <a:t>18/07/2021</a:t>
+              <a:t>26/07/2021</a:t>
             </a:fld>
             <a:endParaRPr lang="pt-BR"/>
           </a:p>
@@ -1684,7 +1701,7 @@
             <a:fld id="{41371B2D-5B36-42E3-97A0-9B2A345893FE}" type="datetimeFigureOut">
               <a:rPr lang="pt-BR" smtClean="0"/>
               <a:pPr/>
-              <a:t>18/07/2021</a:t>
+              <a:t>26/07/2021</a:t>
             </a:fld>
             <a:endParaRPr lang="pt-BR"/>
           </a:p>
@@ -1836,7 +1853,7 @@
             <a:fld id="{41371B2D-5B36-42E3-97A0-9B2A345893FE}" type="datetimeFigureOut">
               <a:rPr lang="pt-BR" smtClean="0"/>
               <a:pPr/>
-              <a:t>18/07/2021</a:t>
+              <a:t>26/07/2021</a:t>
             </a:fld>
             <a:endParaRPr lang="pt-BR"/>
           </a:p>
@@ -1928,7 +1945,7 @@
             <a:fld id="{41371B2D-5B36-42E3-97A0-9B2A345893FE}" type="datetimeFigureOut">
               <a:rPr lang="pt-BR" smtClean="0"/>
               <a:pPr/>
-              <a:t>18/07/2021</a:t>
+              <a:t>26/07/2021</a:t>
             </a:fld>
             <a:endParaRPr lang="pt-BR"/>
           </a:p>
@@ -2191,7 +2208,7 @@
             <a:fld id="{41371B2D-5B36-42E3-97A0-9B2A345893FE}" type="datetimeFigureOut">
               <a:rPr lang="pt-BR" smtClean="0"/>
               <a:pPr/>
-              <a:t>18/07/2021</a:t>
+              <a:t>26/07/2021</a:t>
             </a:fld>
             <a:endParaRPr lang="pt-BR"/>
           </a:p>
@@ -2481,7 +2498,7 @@
             <a:fld id="{41371B2D-5B36-42E3-97A0-9B2A345893FE}" type="datetimeFigureOut">
               <a:rPr lang="pt-BR" smtClean="0"/>
               <a:pPr/>
-              <a:t>18/07/2021</a:t>
+              <a:t>26/07/2021</a:t>
             </a:fld>
             <a:endParaRPr lang="pt-BR"/>
           </a:p>
@@ -3254,7 +3271,7 @@
             <a:fld id="{41371B2D-5B36-42E3-97A0-9B2A345893FE}" type="datetimeFigureOut">
               <a:rPr lang="pt-BR" smtClean="0"/>
               <a:pPr/>
-              <a:t>18/07/2021</a:t>
+              <a:t>26/07/2021</a:t>
             </a:fld>
             <a:endParaRPr lang="pt-BR"/>
           </a:p>
@@ -3875,7 +3892,7 @@
       </p:grpSpPr>
       <p:pic>
         <p:nvPicPr>
-          <p:cNvPr id="4" name="Imagem 3" descr="Dashboard com Pentaho - Visualize e analise os dados.PNG"/>
+          <p:cNvPr id="3" name="Imagem 2" descr="Capturar.PNG"/>
           <p:cNvPicPr>
             <a:picLocks noChangeAspect="1"/>
           </p:cNvPicPr>
@@ -3889,8 +3906,8 @@
         </p:blipFill>
         <p:spPr>
           <a:xfrm>
-            <a:off x="142844" y="1000108"/>
-            <a:ext cx="8840434" cy="5611008"/>
+            <a:off x="0" y="1247016"/>
+            <a:ext cx="9144000" cy="5611008"/>
           </a:xfrm>
           <a:prstGeom prst="rect">
             <a:avLst/>
@@ -3902,6 +3919,263 @@
   <p:clrMapOvr>
     <a:masterClrMapping/>
   </p:clrMapOvr>
+</p:sld>
+</file>
+
+<file path=ppt/slides/slide10.xml><?xml version="1.0" encoding="utf-8"?>
+<p:sld xmlns:a="http://schemas.openxmlformats.org/drawingml/2006/main" xmlns:r="http://schemas.openxmlformats.org/officeDocument/2006/relationships" xmlns:p="http://schemas.openxmlformats.org/presentationml/2006/main">
+  <p:cSld>
+    <p:spTree>
+      <p:nvGrpSpPr>
+        <p:cNvPr id="1" name=""/>
+        <p:cNvGrpSpPr/>
+        <p:nvPr/>
+      </p:nvGrpSpPr>
+      <p:grpSpPr>
+        <a:xfrm>
+          <a:off x="0" y="0"/>
+          <a:ext cx="0" cy="0"/>
+          <a:chOff x="0" y="0"/>
+          <a:chExt cx="0" cy="0"/>
+        </a:xfrm>
+      </p:grpSpPr>
+    </p:spTree>
+  </p:cSld>
+  <p:clrMapOvr>
+    <a:masterClrMapping/>
+  </p:clrMapOvr>
+</p:sld>
+</file>
+
+<file path=ppt/slides/slide11.xml><?xml version="1.0" encoding="utf-8"?>
+<p:sld xmlns:a="http://schemas.openxmlformats.org/drawingml/2006/main" xmlns:r="http://schemas.openxmlformats.org/officeDocument/2006/relationships" xmlns:p="http://schemas.openxmlformats.org/presentationml/2006/main">
+  <p:cSld>
+    <p:spTree>
+      <p:nvGrpSpPr>
+        <p:cNvPr id="1" name=""/>
+        <p:cNvGrpSpPr/>
+        <p:nvPr/>
+      </p:nvGrpSpPr>
+      <p:grpSpPr>
+        <a:xfrm>
+          <a:off x="0" y="0"/>
+          <a:ext cx="0" cy="0"/>
+          <a:chOff x="0" y="0"/>
+          <a:chExt cx="0" cy="0"/>
+        </a:xfrm>
+      </p:grpSpPr>
+    </p:spTree>
+  </p:cSld>
+  <p:clrMapOvr>
+    <a:masterClrMapping/>
+  </p:clrMapOvr>
+</p:sld>
+</file>
+
+<file path=ppt/slides/slide12.xml><?xml version="1.0" encoding="utf-8"?>
+<p:sld xmlns:a="http://schemas.openxmlformats.org/drawingml/2006/main" xmlns:r="http://schemas.openxmlformats.org/officeDocument/2006/relationships" xmlns:p="http://schemas.openxmlformats.org/presentationml/2006/main">
+  <p:cSld>
+    <p:spTree>
+      <p:nvGrpSpPr>
+        <p:cNvPr id="1" name=""/>
+        <p:cNvGrpSpPr/>
+        <p:nvPr/>
+      </p:nvGrpSpPr>
+      <p:grpSpPr>
+        <a:xfrm>
+          <a:off x="0" y="0"/>
+          <a:ext cx="0" cy="0"/>
+          <a:chOff x="0" y="0"/>
+          <a:chExt cx="0" cy="0"/>
+        </a:xfrm>
+      </p:grpSpPr>
+    </p:spTree>
+  </p:cSld>
+  <p:clrMapOvr>
+    <a:masterClrMapping/>
+  </p:clrMapOvr>
+</p:sld>
+</file>
+
+<file path=ppt/slides/slide13.xml><?xml version="1.0" encoding="utf-8"?>
+<p:sld xmlns:a="http://schemas.openxmlformats.org/drawingml/2006/main" xmlns:r="http://schemas.openxmlformats.org/officeDocument/2006/relationships" xmlns:p="http://schemas.openxmlformats.org/presentationml/2006/main">
+  <p:cSld>
+    <p:spTree>
+      <p:nvGrpSpPr>
+        <p:cNvPr id="1" name=""/>
+        <p:cNvGrpSpPr/>
+        <p:nvPr/>
+      </p:nvGrpSpPr>
+      <p:grpSpPr>
+        <a:xfrm>
+          <a:off x="0" y="0"/>
+          <a:ext cx="0" cy="0"/>
+          <a:chOff x="0" y="0"/>
+          <a:chExt cx="0" cy="0"/>
+        </a:xfrm>
+      </p:grpSpPr>
+    </p:spTree>
+  </p:cSld>
+  <p:clrMapOvr>
+    <a:masterClrMapping/>
+  </p:clrMapOvr>
+</p:sld>
+</file>
+
+<file path=ppt/slides/slide14.xml><?xml version="1.0" encoding="utf-8"?>
+<p:sld xmlns:a="http://schemas.openxmlformats.org/drawingml/2006/main" xmlns:r="http://schemas.openxmlformats.org/officeDocument/2006/relationships" xmlns:p="http://schemas.openxmlformats.org/presentationml/2006/main">
+  <p:cSld>
+    <p:spTree>
+      <p:nvGrpSpPr>
+        <p:cNvPr id="1" name=""/>
+        <p:cNvGrpSpPr/>
+        <p:nvPr/>
+      </p:nvGrpSpPr>
+      <p:grpSpPr>
+        <a:xfrm>
+          <a:off x="0" y="0"/>
+          <a:ext cx="0" cy="0"/>
+          <a:chOff x="0" y="0"/>
+          <a:chExt cx="0" cy="0"/>
+        </a:xfrm>
+      </p:grpSpPr>
+    </p:spTree>
+  </p:cSld>
+  <p:clrMapOvr>
+    <a:masterClrMapping/>
+  </p:clrMapOvr>
+</p:sld>
+</file>
+
+<file path=ppt/slides/slide15.xml><?xml version="1.0" encoding="utf-8"?>
+<p:sld xmlns:a="http://schemas.openxmlformats.org/drawingml/2006/main" xmlns:r="http://schemas.openxmlformats.org/officeDocument/2006/relationships" xmlns:p="http://schemas.openxmlformats.org/presentationml/2006/main">
+  <p:cSld>
+    <p:spTree>
+      <p:nvGrpSpPr>
+        <p:cNvPr id="1" name=""/>
+        <p:cNvGrpSpPr/>
+        <p:nvPr/>
+      </p:nvGrpSpPr>
+      <p:grpSpPr>
+        <a:xfrm>
+          <a:off x="0" y="0"/>
+          <a:ext cx="0" cy="0"/>
+          <a:chOff x="0" y="0"/>
+          <a:chExt cx="0" cy="0"/>
+        </a:xfrm>
+      </p:grpSpPr>
+    </p:spTree>
+  </p:cSld>
+  <p:clrMapOvr>
+    <a:masterClrMapping/>
+  </p:clrMapOvr>
+</p:sld>
+</file>
+
+<file path=ppt/slides/slide16.xml><?xml version="1.0" encoding="utf-8"?>
+<p:sld xmlns:a="http://schemas.openxmlformats.org/drawingml/2006/main" xmlns:r="http://schemas.openxmlformats.org/officeDocument/2006/relationships" xmlns:p="http://schemas.openxmlformats.org/presentationml/2006/main">
+  <p:cSld>
+    <p:spTree>
+      <p:nvGrpSpPr>
+        <p:cNvPr id="1" name=""/>
+        <p:cNvGrpSpPr/>
+        <p:nvPr/>
+      </p:nvGrpSpPr>
+      <p:grpSpPr>
+        <a:xfrm>
+          <a:off x="0" y="0"/>
+          <a:ext cx="0" cy="0"/>
+          <a:chOff x="0" y="0"/>
+          <a:chExt cx="0" cy="0"/>
+        </a:xfrm>
+      </p:grpSpPr>
+    </p:spTree>
+  </p:cSld>
+  <p:clrMapOvr>
+    <a:masterClrMapping/>
+  </p:clrMapOvr>
+</p:sld>
+</file>
+
+<file path=ppt/slides/slide17.xml><?xml version="1.0" encoding="utf-8"?>
+<p:sld xmlns:a="http://schemas.openxmlformats.org/drawingml/2006/main" xmlns:r="http://schemas.openxmlformats.org/officeDocument/2006/relationships" xmlns:p="http://schemas.openxmlformats.org/presentationml/2006/main">
+  <p:cSld>
+    <p:spTree>
+      <p:nvGrpSpPr>
+        <p:cNvPr id="1" name=""/>
+        <p:cNvGrpSpPr/>
+        <p:nvPr/>
+      </p:nvGrpSpPr>
+      <p:grpSpPr>
+        <a:xfrm>
+          <a:off x="0" y="0"/>
+          <a:ext cx="0" cy="0"/>
+          <a:chOff x="0" y="0"/>
+          <a:chExt cx="0" cy="0"/>
+        </a:xfrm>
+      </p:grpSpPr>
+    </p:spTree>
+  </p:cSld>
+  <p:clrMapOvr>
+    <a:masterClrMapping/>
+  </p:clrMapOvr>
+</p:sld>
+</file>
+
+<file path=ppt/slides/slide18.xml><?xml version="1.0" encoding="utf-8"?>
+<p:sld xmlns:a="http://schemas.openxmlformats.org/drawingml/2006/main" xmlns:r="http://schemas.openxmlformats.org/officeDocument/2006/relationships" xmlns:p="http://schemas.openxmlformats.org/presentationml/2006/main">
+  <p:cSld>
+    <p:spTree>
+      <p:nvGrpSpPr>
+        <p:cNvPr id="1" name=""/>
+        <p:cNvGrpSpPr/>
+        <p:nvPr/>
+      </p:nvGrpSpPr>
+      <p:grpSpPr>
+        <a:xfrm>
+          <a:off x="0" y="0"/>
+          <a:ext cx="0" cy="0"/>
+          <a:chOff x="0" y="0"/>
+          <a:chExt cx="0" cy="0"/>
+        </a:xfrm>
+      </p:grpSpPr>
+    </p:spTree>
+  </p:cSld>
+  <p:clrMapOvr>
+    <a:masterClrMapping/>
+  </p:clrMapOvr>
+</p:sld>
+</file>
+
+<file path=ppt/slides/slide19.xml><?xml version="1.0" encoding="utf-8"?>
+<p:sld xmlns:a="http://schemas.openxmlformats.org/drawingml/2006/main" xmlns:r="http://schemas.openxmlformats.org/officeDocument/2006/relationships" xmlns:p="http://schemas.openxmlformats.org/presentationml/2006/main">
+  <p:cSld>
+    <p:spTree>
+      <p:nvGrpSpPr>
+        <p:cNvPr id="1" name=""/>
+        <p:cNvGrpSpPr/>
+        <p:nvPr/>
+      </p:nvGrpSpPr>
+      <p:grpSpPr>
+        <a:xfrm>
+          <a:off x="0" y="0"/>
+          <a:ext cx="0" cy="0"/>
+          <a:chOff x="0" y="0"/>
+          <a:chExt cx="0" cy="0"/>
+        </a:xfrm>
+      </p:grpSpPr>
+    </p:spTree>
+  </p:cSld>
+  <p:clrMapOvr>
+    <a:masterClrMapping/>
+  </p:clrMapOvr>
+  <p:timing>
+    <p:tnLst>
+      <p:par>
+        <p:cTn id="1" dur="indefinite" restart="never" nodeType="tmRoot"/>
+      </p:par>
+    </p:tnLst>
+  </p:timing>
 </p:sld>
 </file>
 
@@ -3922,39 +4196,31 @@
           <a:chExt cx="0" cy="0"/>
         </a:xfrm>
       </p:grpSpPr>
-      <p:pic>
-        <p:nvPicPr>
-          <p:cNvPr id="1026" name="Picture 2"/>
-          <p:cNvPicPr>
-            <a:picLocks noChangeAspect="1" noChangeArrowheads="1"/>
-          </p:cNvPicPr>
-          <p:nvPr/>
-        </p:nvPicPr>
-        <p:blipFill>
-          <a:blip r:embed="rId2"/>
-          <a:srcRect/>
-          <a:stretch>
-            <a:fillRect/>
-          </a:stretch>
-        </p:blipFill>
-        <p:spPr bwMode="auto">
-          <a:xfrm>
-            <a:off x="0" y="1400156"/>
-            <a:ext cx="9096407" cy="5457844"/>
-          </a:xfrm>
-          <a:prstGeom prst="rect">
-            <a:avLst/>
-          </a:prstGeom>
-          <a:noFill/>
-          <a:ln w="9525">
-            <a:noFill/>
-            <a:miter lim="800000"/>
-            <a:headEnd/>
-            <a:tailEnd/>
-          </a:ln>
-          <a:effectLst/>
-        </p:spPr>
-      </p:pic>
+    </p:spTree>
+  </p:cSld>
+  <p:clrMapOvr>
+    <a:masterClrMapping/>
+  </p:clrMapOvr>
+</p:sld>
+</file>
+
+<file path=ppt/slides/slide20.xml><?xml version="1.0" encoding="utf-8"?>
+<p:sld xmlns:a="http://schemas.openxmlformats.org/drawingml/2006/main" xmlns:r="http://schemas.openxmlformats.org/officeDocument/2006/relationships" xmlns:p="http://schemas.openxmlformats.org/presentationml/2006/main">
+  <p:cSld>
+    <p:spTree>
+      <p:nvGrpSpPr>
+        <p:cNvPr id="1" name=""/>
+        <p:cNvGrpSpPr/>
+        <p:nvPr/>
+      </p:nvGrpSpPr>
+      <p:grpSpPr>
+        <a:xfrm>
+          <a:off x="0" y="0"/>
+          <a:ext cx="0" cy="0"/>
+          <a:chOff x="0" y="0"/>
+          <a:chExt cx="0" cy="0"/>
+        </a:xfrm>
+      </p:grpSpPr>
     </p:spTree>
   </p:cSld>
   <p:clrMapOvr>
@@ -3987,51 +4253,161 @@
           <a:chExt cx="0" cy="0"/>
         </a:xfrm>
       </p:grpSpPr>
-      <p:pic>
-        <p:nvPicPr>
-          <p:cNvPr id="2050" name="Picture 2"/>
-          <p:cNvPicPr>
-            <a:picLocks noChangeAspect="1" noChangeArrowheads="1"/>
-          </p:cNvPicPr>
-          <p:nvPr/>
-        </p:nvPicPr>
-        <p:blipFill>
-          <a:blip r:embed="rId2"/>
-          <a:srcRect/>
-          <a:stretch>
-            <a:fillRect/>
-          </a:stretch>
-        </p:blipFill>
-        <p:spPr bwMode="auto">
-          <a:xfrm>
-            <a:off x="357158" y="938534"/>
-            <a:ext cx="8402244" cy="5919466"/>
-          </a:xfrm>
-          <a:prstGeom prst="rect">
-            <a:avLst/>
-          </a:prstGeom>
-          <a:noFill/>
-          <a:ln w="9525">
-            <a:noFill/>
-            <a:miter lim="800000"/>
-            <a:headEnd/>
-            <a:tailEnd/>
-          </a:ln>
-          <a:effectLst/>
-        </p:spPr>
-      </p:pic>
     </p:spTree>
   </p:cSld>
   <p:clrMapOvr>
     <a:masterClrMapping/>
   </p:clrMapOvr>
-  <p:timing>
-    <p:tnLst>
-      <p:par>
-        <p:cTn id="1" dur="indefinite" restart="never" nodeType="tmRoot"/>
-      </p:par>
-    </p:tnLst>
-  </p:timing>
+</p:sld>
+</file>
+
+<file path=ppt/slides/slide4.xml><?xml version="1.0" encoding="utf-8"?>
+<p:sld xmlns:a="http://schemas.openxmlformats.org/drawingml/2006/main" xmlns:r="http://schemas.openxmlformats.org/officeDocument/2006/relationships" xmlns:p="http://schemas.openxmlformats.org/presentationml/2006/main">
+  <p:cSld>
+    <p:spTree>
+      <p:nvGrpSpPr>
+        <p:cNvPr id="1" name=""/>
+        <p:cNvGrpSpPr/>
+        <p:nvPr/>
+      </p:nvGrpSpPr>
+      <p:grpSpPr>
+        <a:xfrm>
+          <a:off x="0" y="0"/>
+          <a:ext cx="0" cy="0"/>
+          <a:chOff x="0" y="0"/>
+          <a:chExt cx="0" cy="0"/>
+        </a:xfrm>
+      </p:grpSpPr>
+    </p:spTree>
+  </p:cSld>
+  <p:clrMapOvr>
+    <a:masterClrMapping/>
+  </p:clrMapOvr>
+</p:sld>
+</file>
+
+<file path=ppt/slides/slide5.xml><?xml version="1.0" encoding="utf-8"?>
+<p:sld xmlns:a="http://schemas.openxmlformats.org/drawingml/2006/main" xmlns:r="http://schemas.openxmlformats.org/officeDocument/2006/relationships" xmlns:p="http://schemas.openxmlformats.org/presentationml/2006/main">
+  <p:cSld>
+    <p:spTree>
+      <p:nvGrpSpPr>
+        <p:cNvPr id="1" name=""/>
+        <p:cNvGrpSpPr/>
+        <p:nvPr/>
+      </p:nvGrpSpPr>
+      <p:grpSpPr>
+        <a:xfrm>
+          <a:off x="0" y="0"/>
+          <a:ext cx="0" cy="0"/>
+          <a:chOff x="0" y="0"/>
+          <a:chExt cx="0" cy="0"/>
+        </a:xfrm>
+      </p:grpSpPr>
+    </p:spTree>
+  </p:cSld>
+  <p:clrMapOvr>
+    <a:masterClrMapping/>
+  </p:clrMapOvr>
+</p:sld>
+</file>
+
+<file path=ppt/slides/slide6.xml><?xml version="1.0" encoding="utf-8"?>
+<p:sld xmlns:a="http://schemas.openxmlformats.org/drawingml/2006/main" xmlns:r="http://schemas.openxmlformats.org/officeDocument/2006/relationships" xmlns:p="http://schemas.openxmlformats.org/presentationml/2006/main">
+  <p:cSld>
+    <p:spTree>
+      <p:nvGrpSpPr>
+        <p:cNvPr id="1" name=""/>
+        <p:cNvGrpSpPr/>
+        <p:nvPr/>
+      </p:nvGrpSpPr>
+      <p:grpSpPr>
+        <a:xfrm>
+          <a:off x="0" y="0"/>
+          <a:ext cx="0" cy="0"/>
+          <a:chOff x="0" y="0"/>
+          <a:chExt cx="0" cy="0"/>
+        </a:xfrm>
+      </p:grpSpPr>
+    </p:spTree>
+  </p:cSld>
+  <p:clrMapOvr>
+    <a:masterClrMapping/>
+  </p:clrMapOvr>
+</p:sld>
+</file>
+
+<file path=ppt/slides/slide7.xml><?xml version="1.0" encoding="utf-8"?>
+<p:sld xmlns:a="http://schemas.openxmlformats.org/drawingml/2006/main" xmlns:r="http://schemas.openxmlformats.org/officeDocument/2006/relationships" xmlns:p="http://schemas.openxmlformats.org/presentationml/2006/main">
+  <p:cSld>
+    <p:spTree>
+      <p:nvGrpSpPr>
+        <p:cNvPr id="1" name=""/>
+        <p:cNvGrpSpPr/>
+        <p:nvPr/>
+      </p:nvGrpSpPr>
+      <p:grpSpPr>
+        <a:xfrm>
+          <a:off x="0" y="0"/>
+          <a:ext cx="0" cy="0"/>
+          <a:chOff x="0" y="0"/>
+          <a:chExt cx="0" cy="0"/>
+        </a:xfrm>
+      </p:grpSpPr>
+    </p:spTree>
+  </p:cSld>
+  <p:clrMapOvr>
+    <a:masterClrMapping/>
+  </p:clrMapOvr>
+</p:sld>
+</file>
+
+<file path=ppt/slides/slide8.xml><?xml version="1.0" encoding="utf-8"?>
+<p:sld xmlns:a="http://schemas.openxmlformats.org/drawingml/2006/main" xmlns:r="http://schemas.openxmlformats.org/officeDocument/2006/relationships" xmlns:p="http://schemas.openxmlformats.org/presentationml/2006/main">
+  <p:cSld>
+    <p:spTree>
+      <p:nvGrpSpPr>
+        <p:cNvPr id="1" name=""/>
+        <p:cNvGrpSpPr/>
+        <p:nvPr/>
+      </p:nvGrpSpPr>
+      <p:grpSpPr>
+        <a:xfrm>
+          <a:off x="0" y="0"/>
+          <a:ext cx="0" cy="0"/>
+          <a:chOff x="0" y="0"/>
+          <a:chExt cx="0" cy="0"/>
+        </a:xfrm>
+      </p:grpSpPr>
+    </p:spTree>
+  </p:cSld>
+  <p:clrMapOvr>
+    <a:masterClrMapping/>
+  </p:clrMapOvr>
+</p:sld>
+</file>
+
+<file path=ppt/slides/slide9.xml><?xml version="1.0" encoding="utf-8"?>
+<p:sld xmlns:a="http://schemas.openxmlformats.org/drawingml/2006/main" xmlns:r="http://schemas.openxmlformats.org/officeDocument/2006/relationships" xmlns:p="http://schemas.openxmlformats.org/presentationml/2006/main">
+  <p:cSld>
+    <p:spTree>
+      <p:nvGrpSpPr>
+        <p:cNvPr id="1" name=""/>
+        <p:cNvGrpSpPr/>
+        <p:nvPr/>
+      </p:nvGrpSpPr>
+      <p:grpSpPr>
+        <a:xfrm>
+          <a:off x="0" y="0"/>
+          <a:ext cx="0" cy="0"/>
+          <a:chOff x="0" y="0"/>
+          <a:chExt cx="0" cy="0"/>
+        </a:xfrm>
+      </p:grpSpPr>
+    </p:spTree>
+  </p:cSld>
+  <p:clrMapOvr>
+    <a:masterClrMapping/>
+  </p:clrMapOvr>
 </p:sld>
 </file>
 

--- a/5 - Administração do Microsoft SQL Server 2017/Linkedin.pptx
+++ b/5 - Administração do Microsoft SQL Server 2017/Linkedin.pptx
@@ -25,6 +25,12 @@
     <p:sldId id="345" r:id="rId19"/>
     <p:sldId id="328" r:id="rId20"/>
     <p:sldId id="326" r:id="rId21"/>
+    <p:sldId id="346" r:id="rId22"/>
+    <p:sldId id="347" r:id="rId23"/>
+    <p:sldId id="348" r:id="rId24"/>
+    <p:sldId id="349" r:id="rId25"/>
+    <p:sldId id="350" r:id="rId26"/>
+    <p:sldId id="351" r:id="rId27"/>
   </p:sldIdLst>
   <p:sldSz cx="9144000" cy="6858000" type="screen4x3"/>
   <p:notesSz cx="6858000" cy="9144000"/>
@@ -300,7 +306,7 @@
             <a:fld id="{41371B2D-5B36-42E3-97A0-9B2A345893FE}" type="datetimeFigureOut">
               <a:rPr lang="pt-BR" smtClean="0"/>
               <a:pPr/>
-              <a:t>26/07/2021</a:t>
+              <a:t>27/07/2021</a:t>
             </a:fld>
             <a:endParaRPr lang="pt-BR"/>
           </a:p>
@@ -467,7 +473,7 @@
             <a:fld id="{41371B2D-5B36-42E3-97A0-9B2A345893FE}" type="datetimeFigureOut">
               <a:rPr lang="pt-BR" smtClean="0"/>
               <a:pPr/>
-              <a:t>26/07/2021</a:t>
+              <a:t>27/07/2021</a:t>
             </a:fld>
             <a:endParaRPr lang="pt-BR"/>
           </a:p>
@@ -644,7 +650,7 @@
             <a:fld id="{41371B2D-5B36-42E3-97A0-9B2A345893FE}" type="datetimeFigureOut">
               <a:rPr lang="pt-BR" smtClean="0"/>
               <a:pPr/>
-              <a:t>26/07/2021</a:t>
+              <a:t>27/07/2021</a:t>
             </a:fld>
             <a:endParaRPr lang="pt-BR"/>
           </a:p>
@@ -811,7 +817,7 @@
             <a:fld id="{41371B2D-5B36-42E3-97A0-9B2A345893FE}" type="datetimeFigureOut">
               <a:rPr lang="pt-BR" smtClean="0"/>
               <a:pPr/>
-              <a:t>26/07/2021</a:t>
+              <a:t>27/07/2021</a:t>
             </a:fld>
             <a:endParaRPr lang="pt-BR"/>
           </a:p>
@@ -1055,7 +1061,7 @@
             <a:fld id="{41371B2D-5B36-42E3-97A0-9B2A345893FE}" type="datetimeFigureOut">
               <a:rPr lang="pt-BR" smtClean="0"/>
               <a:pPr/>
-              <a:t>26/07/2021</a:t>
+              <a:t>27/07/2021</a:t>
             </a:fld>
             <a:endParaRPr lang="pt-BR"/>
           </a:p>
@@ -1321,7 +1327,7 @@
             <a:fld id="{41371B2D-5B36-42E3-97A0-9B2A345893FE}" type="datetimeFigureOut">
               <a:rPr lang="pt-BR" smtClean="0"/>
               <a:pPr/>
-              <a:t>26/07/2021</a:t>
+              <a:t>27/07/2021</a:t>
             </a:fld>
             <a:endParaRPr lang="pt-BR"/>
           </a:p>
@@ -1701,7 +1707,7 @@
             <a:fld id="{41371B2D-5B36-42E3-97A0-9B2A345893FE}" type="datetimeFigureOut">
               <a:rPr lang="pt-BR" smtClean="0"/>
               <a:pPr/>
-              <a:t>26/07/2021</a:t>
+              <a:t>27/07/2021</a:t>
             </a:fld>
             <a:endParaRPr lang="pt-BR"/>
           </a:p>
@@ -1853,7 +1859,7 @@
             <a:fld id="{41371B2D-5B36-42E3-97A0-9B2A345893FE}" type="datetimeFigureOut">
               <a:rPr lang="pt-BR" smtClean="0"/>
               <a:pPr/>
-              <a:t>26/07/2021</a:t>
+              <a:t>27/07/2021</a:t>
             </a:fld>
             <a:endParaRPr lang="pt-BR"/>
           </a:p>
@@ -1945,7 +1951,7 @@
             <a:fld id="{41371B2D-5B36-42E3-97A0-9B2A345893FE}" type="datetimeFigureOut">
               <a:rPr lang="pt-BR" smtClean="0"/>
               <a:pPr/>
-              <a:t>26/07/2021</a:t>
+              <a:t>27/07/2021</a:t>
             </a:fld>
             <a:endParaRPr lang="pt-BR"/>
           </a:p>
@@ -2208,7 +2214,7 @@
             <a:fld id="{41371B2D-5B36-42E3-97A0-9B2A345893FE}" type="datetimeFigureOut">
               <a:rPr lang="pt-BR" smtClean="0"/>
               <a:pPr/>
-              <a:t>26/07/2021</a:t>
+              <a:t>27/07/2021</a:t>
             </a:fld>
             <a:endParaRPr lang="pt-BR"/>
           </a:p>
@@ -2498,7 +2504,7 @@
             <a:fld id="{41371B2D-5B36-42E3-97A0-9B2A345893FE}" type="datetimeFigureOut">
               <a:rPr lang="pt-BR" smtClean="0"/>
               <a:pPr/>
-              <a:t>26/07/2021</a:t>
+              <a:t>27/07/2021</a:t>
             </a:fld>
             <a:endParaRPr lang="pt-BR"/>
           </a:p>
@@ -3271,7 +3277,7 @@
             <a:fld id="{41371B2D-5B36-42E3-97A0-9B2A345893FE}" type="datetimeFigureOut">
               <a:rPr lang="pt-BR" smtClean="0"/>
               <a:pPr/>
-              <a:t>26/07/2021</a:t>
+              <a:t>27/07/2021</a:t>
             </a:fld>
             <a:endParaRPr lang="pt-BR"/>
           </a:p>
@@ -3939,6 +3945,79 @@
           <a:chExt cx="0" cy="0"/>
         </a:xfrm>
       </p:grpSpPr>
+      <p:pic>
+        <p:nvPicPr>
+          <p:cNvPr id="2" name="Imagem 1" descr="9.JPG"/>
+          <p:cNvPicPr>
+            <a:picLocks noChangeAspect="1"/>
+          </p:cNvPicPr>
+          <p:nvPr/>
+        </p:nvPicPr>
+        <p:blipFill>
+          <a:blip r:embed="rId2"/>
+          <a:stretch>
+            <a:fillRect/>
+          </a:stretch>
+        </p:blipFill>
+        <p:spPr>
+          <a:xfrm>
+            <a:off x="142844" y="1643050"/>
+            <a:ext cx="8890063" cy="5000660"/>
+          </a:xfrm>
+          <a:prstGeom prst="rect">
+            <a:avLst/>
+          </a:prstGeom>
+        </p:spPr>
+      </p:pic>
+      <p:sp>
+        <p:nvSpPr>
+          <p:cNvPr id="3" name="Retângulo 2"/>
+          <p:cNvSpPr/>
+          <p:nvPr/>
+        </p:nvSpPr>
+        <p:spPr>
+          <a:xfrm>
+            <a:off x="571472" y="714356"/>
+            <a:ext cx="5527089" cy="707886"/>
+          </a:xfrm>
+          <a:prstGeom prst="rect">
+            <a:avLst/>
+          </a:prstGeom>
+          <a:noFill/>
+        </p:spPr>
+        <p:txBody>
+          <a:bodyPr wrap="none" lIns="91440" tIns="45720" rIns="91440" bIns="45720">
+            <a:spAutoFit/>
+          </a:bodyPr>
+          <a:lstStyle/>
+          <a:p>
+            <a:pPr algn="ctr"/>
+            <a:r>
+              <a:rPr lang="pt-BR" sz="4000" b="1" dirty="0" smtClean="0">
+                <a:ln w="12700">
+                  <a:solidFill>
+                    <a:schemeClr val="tx2">
+                      <a:satMod val="155000"/>
+                    </a:schemeClr>
+                  </a:solidFill>
+                  <a:prstDash val="solid"/>
+                </a:ln>
+                <a:solidFill>
+                  <a:schemeClr val="tx2"/>
+                </a:solidFill>
+                <a:effectLst>
+                  <a:outerShdw blurRad="41275" dist="20320" dir="1800000" algn="tl" rotWithShape="0">
+                    <a:srgbClr val="000000">
+                      <a:alpha val="40000"/>
+                    </a:srgbClr>
+                  </a:outerShdw>
+                </a:effectLst>
+              </a:rPr>
+              <a:t>Autorização de Acesso</a:t>
+            </a:r>
+          </a:p>
+        </p:txBody>
+      </p:sp>
     </p:spTree>
   </p:cSld>
   <p:clrMapOvr>
@@ -3964,6 +4043,79 @@
           <a:chExt cx="0" cy="0"/>
         </a:xfrm>
       </p:grpSpPr>
+      <p:pic>
+        <p:nvPicPr>
+          <p:cNvPr id="2" name="Imagem 1" descr="10.JPG"/>
+          <p:cNvPicPr>
+            <a:picLocks noChangeAspect="1"/>
+          </p:cNvPicPr>
+          <p:nvPr/>
+        </p:nvPicPr>
+        <p:blipFill>
+          <a:blip r:embed="rId2"/>
+          <a:stretch>
+            <a:fillRect/>
+          </a:stretch>
+        </p:blipFill>
+        <p:spPr>
+          <a:xfrm>
+            <a:off x="93400" y="1681162"/>
+            <a:ext cx="9022487" cy="4605358"/>
+          </a:xfrm>
+          <a:prstGeom prst="rect">
+            <a:avLst/>
+          </a:prstGeom>
+        </p:spPr>
+      </p:pic>
+      <p:sp>
+        <p:nvSpPr>
+          <p:cNvPr id="3" name="Retângulo 2"/>
+          <p:cNvSpPr/>
+          <p:nvPr/>
+        </p:nvSpPr>
+        <p:spPr>
+          <a:xfrm>
+            <a:off x="714348" y="928670"/>
+            <a:ext cx="5527089" cy="707886"/>
+          </a:xfrm>
+          <a:prstGeom prst="rect">
+            <a:avLst/>
+          </a:prstGeom>
+          <a:noFill/>
+        </p:spPr>
+        <p:txBody>
+          <a:bodyPr wrap="none" lIns="91440" tIns="45720" rIns="91440" bIns="45720">
+            <a:spAutoFit/>
+          </a:bodyPr>
+          <a:lstStyle/>
+          <a:p>
+            <a:pPr algn="ctr"/>
+            <a:r>
+              <a:rPr lang="pt-BR" sz="4000" b="1" dirty="0" smtClean="0">
+                <a:ln w="12700">
+                  <a:solidFill>
+                    <a:schemeClr val="tx2">
+                      <a:satMod val="155000"/>
+                    </a:schemeClr>
+                  </a:solidFill>
+                  <a:prstDash val="solid"/>
+                </a:ln>
+                <a:solidFill>
+                  <a:schemeClr val="tx2"/>
+                </a:solidFill>
+                <a:effectLst>
+                  <a:outerShdw blurRad="41275" dist="20320" dir="1800000" algn="tl" rotWithShape="0">
+                    <a:srgbClr val="000000">
+                      <a:alpha val="40000"/>
+                    </a:srgbClr>
+                  </a:outerShdw>
+                </a:effectLst>
+              </a:rPr>
+              <a:t>Autorização de Acesso</a:t>
+            </a:r>
+          </a:p>
+        </p:txBody>
+      </p:sp>
     </p:spTree>
   </p:cSld>
   <p:clrMapOvr>
@@ -3989,6 +4141,88 @@
           <a:chExt cx="0" cy="0"/>
         </a:xfrm>
       </p:grpSpPr>
+      <p:pic>
+        <p:nvPicPr>
+          <p:cNvPr id="4098" name="Picture 2"/>
+          <p:cNvPicPr>
+            <a:picLocks noChangeAspect="1" noChangeArrowheads="1"/>
+          </p:cNvPicPr>
+          <p:nvPr/>
+        </p:nvPicPr>
+        <p:blipFill>
+          <a:blip r:embed="rId2"/>
+          <a:srcRect/>
+          <a:stretch>
+            <a:fillRect/>
+          </a:stretch>
+        </p:blipFill>
+        <p:spPr bwMode="auto">
+          <a:xfrm>
+            <a:off x="127609" y="2066924"/>
+            <a:ext cx="8735132" cy="3790968"/>
+          </a:xfrm>
+          <a:prstGeom prst="rect">
+            <a:avLst/>
+          </a:prstGeom>
+          <a:noFill/>
+          <a:ln w="9525">
+            <a:noFill/>
+            <a:miter lim="800000"/>
+            <a:headEnd/>
+            <a:tailEnd/>
+          </a:ln>
+          <a:effectLst/>
+        </p:spPr>
+      </p:pic>
+      <p:sp>
+        <p:nvSpPr>
+          <p:cNvPr id="3" name="Retângulo 2"/>
+          <p:cNvSpPr/>
+          <p:nvPr/>
+        </p:nvSpPr>
+        <p:spPr>
+          <a:xfrm>
+            <a:off x="714348" y="928670"/>
+            <a:ext cx="5527089" cy="707886"/>
+          </a:xfrm>
+          <a:prstGeom prst="rect">
+            <a:avLst/>
+          </a:prstGeom>
+          <a:noFill/>
+        </p:spPr>
+        <p:txBody>
+          <a:bodyPr wrap="none" lIns="91440" tIns="45720" rIns="91440" bIns="45720">
+            <a:spAutoFit/>
+          </a:bodyPr>
+          <a:lstStyle/>
+          <a:p>
+            <a:pPr algn="ctr"/>
+            <a:r>
+              <a:rPr lang="pt-BR" sz="4000" b="1" dirty="0" smtClean="0">
+                <a:ln w="12700">
+                  <a:solidFill>
+                    <a:schemeClr val="tx2">
+                      <a:satMod val="155000"/>
+                    </a:schemeClr>
+                  </a:solidFill>
+                  <a:prstDash val="solid"/>
+                </a:ln>
+                <a:solidFill>
+                  <a:schemeClr val="tx2"/>
+                </a:solidFill>
+                <a:effectLst>
+                  <a:outerShdw blurRad="41275" dist="20320" dir="1800000" algn="tl" rotWithShape="0">
+                    <a:srgbClr val="000000">
+                      <a:alpha val="40000"/>
+                    </a:srgbClr>
+                  </a:outerShdw>
+                </a:effectLst>
+              </a:rPr>
+              <a:t>Autorização de Acesso</a:t>
+            </a:r>
+          </a:p>
+        </p:txBody>
+      </p:sp>
     </p:spTree>
   </p:cSld>
   <p:clrMapOvr>
@@ -4014,6 +4248,88 @@
           <a:chExt cx="0" cy="0"/>
         </a:xfrm>
       </p:grpSpPr>
+      <p:pic>
+        <p:nvPicPr>
+          <p:cNvPr id="5122" name="Picture 2"/>
+          <p:cNvPicPr>
+            <a:picLocks noChangeAspect="1" noChangeArrowheads="1"/>
+          </p:cNvPicPr>
+          <p:nvPr/>
+        </p:nvPicPr>
+        <p:blipFill>
+          <a:blip r:embed="rId2"/>
+          <a:srcRect/>
+          <a:stretch>
+            <a:fillRect/>
+          </a:stretch>
+        </p:blipFill>
+        <p:spPr bwMode="auto">
+          <a:xfrm>
+            <a:off x="0" y="2357430"/>
+            <a:ext cx="8905710" cy="3214710"/>
+          </a:xfrm>
+          <a:prstGeom prst="rect">
+            <a:avLst/>
+          </a:prstGeom>
+          <a:noFill/>
+          <a:ln w="9525">
+            <a:noFill/>
+            <a:miter lim="800000"/>
+            <a:headEnd/>
+            <a:tailEnd/>
+          </a:ln>
+          <a:effectLst/>
+        </p:spPr>
+      </p:pic>
+      <p:sp>
+        <p:nvSpPr>
+          <p:cNvPr id="4" name="Retângulo 3"/>
+          <p:cNvSpPr/>
+          <p:nvPr/>
+        </p:nvSpPr>
+        <p:spPr>
+          <a:xfrm>
+            <a:off x="714348" y="928670"/>
+            <a:ext cx="5278689" cy="707886"/>
+          </a:xfrm>
+          <a:prstGeom prst="rect">
+            <a:avLst/>
+          </a:prstGeom>
+          <a:noFill/>
+        </p:spPr>
+        <p:txBody>
+          <a:bodyPr wrap="none" lIns="91440" tIns="45720" rIns="91440" bIns="45720">
+            <a:spAutoFit/>
+          </a:bodyPr>
+          <a:lstStyle/>
+          <a:p>
+            <a:pPr algn="ctr"/>
+            <a:r>
+              <a:rPr lang="pt-BR" sz="4000" b="1" dirty="0" smtClean="0">
+                <a:ln w="12700">
+                  <a:solidFill>
+                    <a:schemeClr val="tx2">
+                      <a:satMod val="155000"/>
+                    </a:schemeClr>
+                  </a:solidFill>
+                  <a:prstDash val="solid"/>
+                </a:ln>
+                <a:solidFill>
+                  <a:schemeClr val="tx2"/>
+                </a:solidFill>
+                <a:effectLst>
+                  <a:outerShdw blurRad="41275" dist="20320" dir="1800000" algn="tl" rotWithShape="0">
+                    <a:srgbClr val="000000">
+                      <a:alpha val="40000"/>
+                    </a:srgbClr>
+                  </a:outerShdw>
+                </a:effectLst>
+              </a:rPr>
+              <a:t>Autorização Servidor</a:t>
+            </a:r>
+          </a:p>
+        </p:txBody>
+      </p:sp>
     </p:spTree>
   </p:cSld>
   <p:clrMapOvr>
@@ -4039,6 +4355,79 @@
           <a:chExt cx="0" cy="0"/>
         </a:xfrm>
       </p:grpSpPr>
+      <p:pic>
+        <p:nvPicPr>
+          <p:cNvPr id="3" name="Imagem 2" descr="13.JPG"/>
+          <p:cNvPicPr>
+            <a:picLocks noChangeAspect="1"/>
+          </p:cNvPicPr>
+          <p:nvPr/>
+        </p:nvPicPr>
+        <p:blipFill>
+          <a:blip r:embed="rId2"/>
+          <a:stretch>
+            <a:fillRect/>
+          </a:stretch>
+        </p:blipFill>
+        <p:spPr>
+          <a:xfrm>
+            <a:off x="0" y="2105025"/>
+            <a:ext cx="8820150" cy="4752975"/>
+          </a:xfrm>
+          <a:prstGeom prst="rect">
+            <a:avLst/>
+          </a:prstGeom>
+        </p:spPr>
+      </p:pic>
+      <p:sp>
+        <p:nvSpPr>
+          <p:cNvPr id="4" name="Retângulo 3"/>
+          <p:cNvSpPr/>
+          <p:nvPr/>
+        </p:nvSpPr>
+        <p:spPr>
+          <a:xfrm>
+            <a:off x="714348" y="928670"/>
+            <a:ext cx="5278689" cy="707886"/>
+          </a:xfrm>
+          <a:prstGeom prst="rect">
+            <a:avLst/>
+          </a:prstGeom>
+          <a:noFill/>
+        </p:spPr>
+        <p:txBody>
+          <a:bodyPr wrap="none" lIns="91440" tIns="45720" rIns="91440" bIns="45720">
+            <a:spAutoFit/>
+          </a:bodyPr>
+          <a:lstStyle/>
+          <a:p>
+            <a:pPr algn="ctr"/>
+            <a:r>
+              <a:rPr lang="pt-BR" sz="4000" b="1" dirty="0" smtClean="0">
+                <a:ln w="12700">
+                  <a:solidFill>
+                    <a:schemeClr val="tx2">
+                      <a:satMod val="155000"/>
+                    </a:schemeClr>
+                  </a:solidFill>
+                  <a:prstDash val="solid"/>
+                </a:ln>
+                <a:solidFill>
+                  <a:schemeClr val="tx2"/>
+                </a:solidFill>
+                <a:effectLst>
+                  <a:outerShdw blurRad="41275" dist="20320" dir="1800000" algn="tl" rotWithShape="0">
+                    <a:srgbClr val="000000">
+                      <a:alpha val="40000"/>
+                    </a:srgbClr>
+                  </a:outerShdw>
+                </a:effectLst>
+              </a:rPr>
+              <a:t>Autorização Servidor</a:t>
+            </a:r>
+          </a:p>
+        </p:txBody>
+      </p:sp>
     </p:spTree>
   </p:cSld>
   <p:clrMapOvr>
@@ -4064,6 +4453,30 @@
           <a:chExt cx="0" cy="0"/>
         </a:xfrm>
       </p:grpSpPr>
+      <p:pic>
+        <p:nvPicPr>
+          <p:cNvPr id="2" name="Imagem 1" descr="14.jpg"/>
+          <p:cNvPicPr>
+            <a:picLocks noChangeAspect="1"/>
+          </p:cNvPicPr>
+          <p:nvPr/>
+        </p:nvPicPr>
+        <p:blipFill>
+          <a:blip r:embed="rId2"/>
+          <a:stretch>
+            <a:fillRect/>
+          </a:stretch>
+        </p:blipFill>
+        <p:spPr>
+          <a:xfrm>
+            <a:off x="61374" y="1766887"/>
+            <a:ext cx="8741994" cy="4305319"/>
+          </a:xfrm>
+          <a:prstGeom prst="rect">
+            <a:avLst/>
+          </a:prstGeom>
+        </p:spPr>
+      </p:pic>
     </p:spTree>
   </p:cSld>
   <p:clrMapOvr>
@@ -4089,6 +4502,30 @@
           <a:chExt cx="0" cy="0"/>
         </a:xfrm>
       </p:grpSpPr>
+      <p:pic>
+        <p:nvPicPr>
+          <p:cNvPr id="2" name="Imagem 1" descr="15.jpg"/>
+          <p:cNvPicPr>
+            <a:picLocks noChangeAspect="1"/>
+          </p:cNvPicPr>
+          <p:nvPr/>
+        </p:nvPicPr>
+        <p:blipFill>
+          <a:blip r:embed="rId2"/>
+          <a:stretch>
+            <a:fillRect/>
+          </a:stretch>
+        </p:blipFill>
+        <p:spPr>
+          <a:xfrm>
+            <a:off x="71406" y="1395412"/>
+            <a:ext cx="8946619" cy="4391042"/>
+          </a:xfrm>
+          <a:prstGeom prst="rect">
+            <a:avLst/>
+          </a:prstGeom>
+        </p:spPr>
+      </p:pic>
     </p:spTree>
   </p:cSld>
   <p:clrMapOvr>
@@ -4114,6 +4551,30 @@
           <a:chExt cx="0" cy="0"/>
         </a:xfrm>
       </p:grpSpPr>
+      <p:pic>
+        <p:nvPicPr>
+          <p:cNvPr id="2" name="Imagem 1" descr="16.JPG"/>
+          <p:cNvPicPr>
+            <a:picLocks noChangeAspect="1"/>
+          </p:cNvPicPr>
+          <p:nvPr/>
+        </p:nvPicPr>
+        <p:blipFill>
+          <a:blip r:embed="rId2"/>
+          <a:stretch>
+            <a:fillRect/>
+          </a:stretch>
+        </p:blipFill>
+        <p:spPr>
+          <a:xfrm>
+            <a:off x="142844" y="1714488"/>
+            <a:ext cx="8889771" cy="5143512"/>
+          </a:xfrm>
+          <a:prstGeom prst="rect">
+            <a:avLst/>
+          </a:prstGeom>
+        </p:spPr>
+      </p:pic>
     </p:spTree>
   </p:cSld>
   <p:clrMapOvr>
@@ -4139,6 +4600,30 @@
           <a:chExt cx="0" cy="0"/>
         </a:xfrm>
       </p:grpSpPr>
+      <p:pic>
+        <p:nvPicPr>
+          <p:cNvPr id="2" name="Imagem 1" descr="17.jpg"/>
+          <p:cNvPicPr>
+            <a:picLocks noChangeAspect="1"/>
+          </p:cNvPicPr>
+          <p:nvPr/>
+        </p:nvPicPr>
+        <p:blipFill>
+          <a:blip r:embed="rId2"/>
+          <a:stretch>
+            <a:fillRect/>
+          </a:stretch>
+        </p:blipFill>
+        <p:spPr>
+          <a:xfrm>
+            <a:off x="0" y="-110613"/>
+            <a:ext cx="9143999" cy="6968613"/>
+          </a:xfrm>
+          <a:prstGeom prst="rect">
+            <a:avLst/>
+          </a:prstGeom>
+        </p:spPr>
+      </p:pic>
     </p:spTree>
   </p:cSld>
   <p:clrMapOvr>
@@ -4164,6 +4649,88 @@
           <a:chExt cx="0" cy="0"/>
         </a:xfrm>
       </p:grpSpPr>
+      <p:pic>
+        <p:nvPicPr>
+          <p:cNvPr id="7170" name="Picture 2"/>
+          <p:cNvPicPr>
+            <a:picLocks noChangeAspect="1" noChangeArrowheads="1"/>
+          </p:cNvPicPr>
+          <p:nvPr/>
+        </p:nvPicPr>
+        <p:blipFill>
+          <a:blip r:embed="rId2"/>
+          <a:srcRect/>
+          <a:stretch>
+            <a:fillRect/>
+          </a:stretch>
+        </p:blipFill>
+        <p:spPr bwMode="auto">
+          <a:xfrm>
+            <a:off x="142844" y="1643050"/>
+            <a:ext cx="8734425" cy="5019675"/>
+          </a:xfrm>
+          <a:prstGeom prst="rect">
+            <a:avLst/>
+          </a:prstGeom>
+          <a:noFill/>
+          <a:ln w="9525">
+            <a:noFill/>
+            <a:miter lim="800000"/>
+            <a:headEnd/>
+            <a:tailEnd/>
+          </a:ln>
+          <a:effectLst/>
+        </p:spPr>
+      </p:pic>
+      <p:sp>
+        <p:nvSpPr>
+          <p:cNvPr id="3" name="Retângulo 2"/>
+          <p:cNvSpPr/>
+          <p:nvPr/>
+        </p:nvSpPr>
+        <p:spPr>
+          <a:xfrm>
+            <a:off x="714348" y="857232"/>
+            <a:ext cx="3302827" cy="707886"/>
+          </a:xfrm>
+          <a:prstGeom prst="rect">
+            <a:avLst/>
+          </a:prstGeom>
+          <a:noFill/>
+        </p:spPr>
+        <p:txBody>
+          <a:bodyPr wrap="none" lIns="91440" tIns="45720" rIns="91440" bIns="45720">
+            <a:spAutoFit/>
+          </a:bodyPr>
+          <a:lstStyle/>
+          <a:p>
+            <a:pPr algn="ctr"/>
+            <a:r>
+              <a:rPr lang="pt-BR" sz="4000" b="1" dirty="0" smtClean="0">
+                <a:ln w="12700">
+                  <a:solidFill>
+                    <a:schemeClr val="tx2">
+                      <a:satMod val="155000"/>
+                    </a:schemeClr>
+                  </a:solidFill>
+                  <a:prstDash val="solid"/>
+                </a:ln>
+                <a:solidFill>
+                  <a:schemeClr val="tx2"/>
+                </a:solidFill>
+                <a:effectLst>
+                  <a:outerShdw blurRad="41275" dist="20320" dir="1800000" algn="tl" rotWithShape="0">
+                    <a:srgbClr val="000000">
+                      <a:alpha val="40000"/>
+                    </a:srgbClr>
+                  </a:outerShdw>
+                </a:effectLst>
+              </a:rPr>
+              <a:t>Performance</a:t>
+            </a:r>
+          </a:p>
+        </p:txBody>
+      </p:sp>
     </p:spTree>
   </p:cSld>
   <p:clrMapOvr>
@@ -4196,6 +4763,30 @@
           <a:chExt cx="0" cy="0"/>
         </a:xfrm>
       </p:grpSpPr>
+      <p:pic>
+        <p:nvPicPr>
+          <p:cNvPr id="2" name="Imagem 1" descr="1.JPG"/>
+          <p:cNvPicPr>
+            <a:picLocks noChangeAspect="1"/>
+          </p:cNvPicPr>
+          <p:nvPr/>
+        </p:nvPicPr>
+        <p:blipFill>
+          <a:blip r:embed="rId2"/>
+          <a:stretch>
+            <a:fillRect/>
+          </a:stretch>
+        </p:blipFill>
+        <p:spPr>
+          <a:xfrm>
+            <a:off x="452050" y="978848"/>
+            <a:ext cx="8263354" cy="5879152"/>
+          </a:xfrm>
+          <a:prstGeom prst="rect">
+            <a:avLst/>
+          </a:prstGeom>
+        </p:spPr>
+      </p:pic>
     </p:spTree>
   </p:cSld>
   <p:clrMapOvr>
@@ -4221,6 +4812,39 @@
           <a:chExt cx="0" cy="0"/>
         </a:xfrm>
       </p:grpSpPr>
+      <p:pic>
+        <p:nvPicPr>
+          <p:cNvPr id="8194" name="Picture 2"/>
+          <p:cNvPicPr>
+            <a:picLocks noChangeAspect="1" noChangeArrowheads="1"/>
+          </p:cNvPicPr>
+          <p:nvPr/>
+        </p:nvPicPr>
+        <p:blipFill>
+          <a:blip r:embed="rId2"/>
+          <a:srcRect/>
+          <a:stretch>
+            <a:fillRect/>
+          </a:stretch>
+        </p:blipFill>
+        <p:spPr bwMode="auto">
+          <a:xfrm>
+            <a:off x="196694" y="1862138"/>
+            <a:ext cx="8738917" cy="3567126"/>
+          </a:xfrm>
+          <a:prstGeom prst="rect">
+            <a:avLst/>
+          </a:prstGeom>
+          <a:noFill/>
+          <a:ln w="9525">
+            <a:noFill/>
+            <a:miter lim="800000"/>
+            <a:headEnd/>
+            <a:tailEnd/>
+          </a:ln>
+          <a:effectLst/>
+        </p:spPr>
+      </p:pic>
     </p:spTree>
   </p:cSld>
   <p:clrMapOvr>
@@ -4233,6 +4857,363 @@
       </p:par>
     </p:tnLst>
   </p:timing>
+</p:sld>
+</file>
+
+<file path=ppt/slides/slide21.xml><?xml version="1.0" encoding="utf-8"?>
+<p:sld xmlns:a="http://schemas.openxmlformats.org/drawingml/2006/main" xmlns:r="http://schemas.openxmlformats.org/officeDocument/2006/relationships" xmlns:p="http://schemas.openxmlformats.org/presentationml/2006/main">
+  <p:cSld>
+    <p:spTree>
+      <p:nvGrpSpPr>
+        <p:cNvPr id="1" name=""/>
+        <p:cNvGrpSpPr/>
+        <p:nvPr/>
+      </p:nvGrpSpPr>
+      <p:grpSpPr>
+        <a:xfrm>
+          <a:off x="0" y="0"/>
+          <a:ext cx="0" cy="0"/>
+          <a:chOff x="0" y="0"/>
+          <a:chExt cx="0" cy="0"/>
+        </a:xfrm>
+      </p:grpSpPr>
+      <p:pic>
+        <p:nvPicPr>
+          <p:cNvPr id="9218" name="Picture 2"/>
+          <p:cNvPicPr>
+            <a:picLocks noChangeAspect="1" noChangeArrowheads="1"/>
+          </p:cNvPicPr>
+          <p:nvPr/>
+        </p:nvPicPr>
+        <p:blipFill>
+          <a:blip r:embed="rId2"/>
+          <a:srcRect/>
+          <a:stretch>
+            <a:fillRect/>
+          </a:stretch>
+        </p:blipFill>
+        <p:spPr bwMode="auto">
+          <a:xfrm>
+            <a:off x="55241" y="1871663"/>
+            <a:ext cx="8997358" cy="3557601"/>
+          </a:xfrm>
+          <a:prstGeom prst="rect">
+            <a:avLst/>
+          </a:prstGeom>
+          <a:noFill/>
+          <a:ln w="9525">
+            <a:noFill/>
+            <a:miter lim="800000"/>
+            <a:headEnd/>
+            <a:tailEnd/>
+          </a:ln>
+          <a:effectLst/>
+        </p:spPr>
+      </p:pic>
+    </p:spTree>
+  </p:cSld>
+  <p:clrMapOvr>
+    <a:masterClrMapping/>
+  </p:clrMapOvr>
+</p:sld>
+</file>
+
+<file path=ppt/slides/slide22.xml><?xml version="1.0" encoding="utf-8"?>
+<p:sld xmlns:a="http://schemas.openxmlformats.org/drawingml/2006/main" xmlns:r="http://schemas.openxmlformats.org/officeDocument/2006/relationships" xmlns:p="http://schemas.openxmlformats.org/presentationml/2006/main">
+  <p:cSld>
+    <p:spTree>
+      <p:nvGrpSpPr>
+        <p:cNvPr id="1" name=""/>
+        <p:cNvGrpSpPr/>
+        <p:nvPr/>
+      </p:nvGrpSpPr>
+      <p:grpSpPr>
+        <a:xfrm>
+          <a:off x="0" y="0"/>
+          <a:ext cx="0" cy="0"/>
+          <a:chOff x="0" y="0"/>
+          <a:chExt cx="0" cy="0"/>
+        </a:xfrm>
+      </p:grpSpPr>
+      <p:pic>
+        <p:nvPicPr>
+          <p:cNvPr id="10242" name="Picture 2"/>
+          <p:cNvPicPr>
+            <a:picLocks noChangeAspect="1" noChangeArrowheads="1"/>
+          </p:cNvPicPr>
+          <p:nvPr/>
+        </p:nvPicPr>
+        <p:blipFill>
+          <a:blip r:embed="rId2"/>
+          <a:srcRect/>
+          <a:stretch>
+            <a:fillRect/>
+          </a:stretch>
+        </p:blipFill>
+        <p:spPr bwMode="auto">
+          <a:xfrm>
+            <a:off x="390406" y="2190750"/>
+            <a:ext cx="8216442" cy="2667010"/>
+          </a:xfrm>
+          <a:prstGeom prst="rect">
+            <a:avLst/>
+          </a:prstGeom>
+          <a:noFill/>
+          <a:ln w="9525">
+            <a:noFill/>
+            <a:miter lim="800000"/>
+            <a:headEnd/>
+            <a:tailEnd/>
+          </a:ln>
+          <a:effectLst/>
+        </p:spPr>
+      </p:pic>
+    </p:spTree>
+  </p:cSld>
+  <p:clrMapOvr>
+    <a:masterClrMapping/>
+  </p:clrMapOvr>
+</p:sld>
+</file>
+
+<file path=ppt/slides/slide23.xml><?xml version="1.0" encoding="utf-8"?>
+<p:sld xmlns:a="http://schemas.openxmlformats.org/drawingml/2006/main" xmlns:r="http://schemas.openxmlformats.org/officeDocument/2006/relationships" xmlns:p="http://schemas.openxmlformats.org/presentationml/2006/main">
+  <p:cSld>
+    <p:spTree>
+      <p:nvGrpSpPr>
+        <p:cNvPr id="1" name=""/>
+        <p:cNvGrpSpPr/>
+        <p:nvPr/>
+      </p:nvGrpSpPr>
+      <p:grpSpPr>
+        <a:xfrm>
+          <a:off x="0" y="0"/>
+          <a:ext cx="0" cy="0"/>
+          <a:chOff x="0" y="0"/>
+          <a:chExt cx="0" cy="0"/>
+        </a:xfrm>
+      </p:grpSpPr>
+      <p:pic>
+        <p:nvPicPr>
+          <p:cNvPr id="11266" name="Picture 2"/>
+          <p:cNvPicPr>
+            <a:picLocks noChangeAspect="1" noChangeArrowheads="1"/>
+          </p:cNvPicPr>
+          <p:nvPr/>
+        </p:nvPicPr>
+        <p:blipFill>
+          <a:blip r:embed="rId2"/>
+          <a:srcRect/>
+          <a:stretch>
+            <a:fillRect/>
+          </a:stretch>
+        </p:blipFill>
+        <p:spPr bwMode="auto">
+          <a:xfrm>
+            <a:off x="547688" y="1252538"/>
+            <a:ext cx="8048625" cy="4352925"/>
+          </a:xfrm>
+          <a:prstGeom prst="rect">
+            <a:avLst/>
+          </a:prstGeom>
+          <a:noFill/>
+          <a:ln w="9525">
+            <a:noFill/>
+            <a:miter lim="800000"/>
+            <a:headEnd/>
+            <a:tailEnd/>
+          </a:ln>
+          <a:effectLst/>
+        </p:spPr>
+      </p:pic>
+    </p:spTree>
+  </p:cSld>
+  <p:clrMapOvr>
+    <a:masterClrMapping/>
+  </p:clrMapOvr>
+</p:sld>
+</file>
+
+<file path=ppt/slides/slide24.xml><?xml version="1.0" encoding="utf-8"?>
+<p:sld xmlns:a="http://schemas.openxmlformats.org/drawingml/2006/main" xmlns:r="http://schemas.openxmlformats.org/officeDocument/2006/relationships" xmlns:p="http://schemas.openxmlformats.org/presentationml/2006/main">
+  <p:cSld>
+    <p:spTree>
+      <p:nvGrpSpPr>
+        <p:cNvPr id="1" name=""/>
+        <p:cNvGrpSpPr/>
+        <p:nvPr/>
+      </p:nvGrpSpPr>
+      <p:grpSpPr>
+        <a:xfrm>
+          <a:off x="0" y="0"/>
+          <a:ext cx="0" cy="0"/>
+          <a:chOff x="0" y="0"/>
+          <a:chExt cx="0" cy="0"/>
+        </a:xfrm>
+      </p:grpSpPr>
+      <p:pic>
+        <p:nvPicPr>
+          <p:cNvPr id="12290" name="Picture 2"/>
+          <p:cNvPicPr>
+            <a:picLocks noChangeAspect="1" noChangeArrowheads="1"/>
+          </p:cNvPicPr>
+          <p:nvPr/>
+        </p:nvPicPr>
+        <p:blipFill>
+          <a:blip r:embed="rId2"/>
+          <a:srcRect/>
+          <a:stretch>
+            <a:fillRect/>
+          </a:stretch>
+        </p:blipFill>
+        <p:spPr bwMode="auto">
+          <a:xfrm>
+            <a:off x="557213" y="1957388"/>
+            <a:ext cx="8029575" cy="2943225"/>
+          </a:xfrm>
+          <a:prstGeom prst="rect">
+            <a:avLst/>
+          </a:prstGeom>
+          <a:noFill/>
+          <a:ln w="9525">
+            <a:noFill/>
+            <a:miter lim="800000"/>
+            <a:headEnd/>
+            <a:tailEnd/>
+          </a:ln>
+          <a:effectLst/>
+        </p:spPr>
+      </p:pic>
+    </p:spTree>
+  </p:cSld>
+  <p:clrMapOvr>
+    <a:masterClrMapping/>
+  </p:clrMapOvr>
+</p:sld>
+</file>
+
+<file path=ppt/slides/slide25.xml><?xml version="1.0" encoding="utf-8"?>
+<p:sld xmlns:a="http://schemas.openxmlformats.org/drawingml/2006/main" xmlns:r="http://schemas.openxmlformats.org/officeDocument/2006/relationships" xmlns:p="http://schemas.openxmlformats.org/presentationml/2006/main">
+  <p:cSld>
+    <p:spTree>
+      <p:nvGrpSpPr>
+        <p:cNvPr id="1" name=""/>
+        <p:cNvGrpSpPr/>
+        <p:nvPr/>
+      </p:nvGrpSpPr>
+      <p:grpSpPr>
+        <a:xfrm>
+          <a:off x="0" y="0"/>
+          <a:ext cx="0" cy="0"/>
+          <a:chOff x="0" y="0"/>
+          <a:chExt cx="0" cy="0"/>
+        </a:xfrm>
+      </p:grpSpPr>
+      <p:pic>
+        <p:nvPicPr>
+          <p:cNvPr id="14338" name="Picture 2" descr="https://caelum-online-public.s3.amazonaws.com/839-administracao-do-sql-server-2017/05/image24.png"/>
+          <p:cNvPicPr>
+            <a:picLocks noChangeAspect="1" noChangeArrowheads="1"/>
+          </p:cNvPicPr>
+          <p:nvPr/>
+        </p:nvPicPr>
+        <p:blipFill>
+          <a:blip r:embed="rId2"/>
+          <a:srcRect/>
+          <a:stretch>
+            <a:fillRect/>
+          </a:stretch>
+        </p:blipFill>
+        <p:spPr bwMode="auto">
+          <a:xfrm>
+            <a:off x="109569" y="2428868"/>
+            <a:ext cx="8963025" cy="2714626"/>
+          </a:xfrm>
+          <a:prstGeom prst="rect">
+            <a:avLst/>
+          </a:prstGeom>
+          <a:noFill/>
+        </p:spPr>
+      </p:pic>
+    </p:spTree>
+  </p:cSld>
+  <p:clrMapOvr>
+    <a:masterClrMapping/>
+  </p:clrMapOvr>
+</p:sld>
+</file>
+
+<file path=ppt/slides/slide26.xml><?xml version="1.0" encoding="utf-8"?>
+<p:sld xmlns:a="http://schemas.openxmlformats.org/drawingml/2006/main" xmlns:r="http://schemas.openxmlformats.org/officeDocument/2006/relationships" xmlns:p="http://schemas.openxmlformats.org/presentationml/2006/main">
+  <p:cSld>
+    <p:spTree>
+      <p:nvGrpSpPr>
+        <p:cNvPr id="1" name=""/>
+        <p:cNvGrpSpPr/>
+        <p:nvPr/>
+      </p:nvGrpSpPr>
+      <p:grpSpPr>
+        <a:xfrm>
+          <a:off x="0" y="0"/>
+          <a:ext cx="0" cy="0"/>
+          <a:chOff x="0" y="0"/>
+          <a:chExt cx="0" cy="0"/>
+        </a:xfrm>
+      </p:grpSpPr>
+      <p:sp>
+        <p:nvSpPr>
+          <p:cNvPr id="2" name="Retângulo 1"/>
+          <p:cNvSpPr/>
+          <p:nvPr/>
+        </p:nvSpPr>
+        <p:spPr>
+          <a:xfrm>
+            <a:off x="3786182" y="2714620"/>
+            <a:ext cx="1638590" cy="1015663"/>
+          </a:xfrm>
+          <a:prstGeom prst="rect">
+            <a:avLst/>
+          </a:prstGeom>
+          <a:noFill/>
+        </p:spPr>
+        <p:txBody>
+          <a:bodyPr wrap="none" lIns="91440" tIns="45720" rIns="91440" bIns="45720">
+            <a:spAutoFit/>
+          </a:bodyPr>
+          <a:lstStyle/>
+          <a:p>
+            <a:pPr algn="ctr"/>
+            <a:r>
+              <a:rPr lang="pt-BR" sz="6000" b="1" dirty="0" smtClean="0">
+                <a:ln w="12700">
+                  <a:solidFill>
+                    <a:schemeClr val="tx2">
+                      <a:satMod val="155000"/>
+                    </a:schemeClr>
+                  </a:solidFill>
+                  <a:prstDash val="solid"/>
+                </a:ln>
+                <a:solidFill>
+                  <a:schemeClr val="tx2"/>
+                </a:solidFill>
+                <a:effectLst>
+                  <a:outerShdw blurRad="41275" dist="20320" dir="1800000" algn="tl" rotWithShape="0">
+                    <a:srgbClr val="000000">
+                      <a:alpha val="40000"/>
+                    </a:srgbClr>
+                  </a:outerShdw>
+                </a:effectLst>
+              </a:rPr>
+              <a:t>FIM</a:t>
+            </a:r>
+          </a:p>
+        </p:txBody>
+      </p:sp>
+    </p:spTree>
+  </p:cSld>
+  <p:clrMapOvr>
+    <a:masterClrMapping/>
+  </p:clrMapOvr>
 </p:sld>
 </file>
 
@@ -4253,6 +5234,99 @@
           <a:chExt cx="0" cy="0"/>
         </a:xfrm>
       </p:grpSpPr>
+      <p:pic>
+        <p:nvPicPr>
+          <p:cNvPr id="2" name="Imagem 1" descr="2.JPG"/>
+          <p:cNvPicPr>
+            <a:picLocks noChangeAspect="1"/>
+          </p:cNvPicPr>
+          <p:nvPr/>
+        </p:nvPicPr>
+        <p:blipFill>
+          <a:blip r:embed="rId2"/>
+          <a:stretch>
+            <a:fillRect/>
+          </a:stretch>
+        </p:blipFill>
+        <p:spPr>
+          <a:xfrm>
+            <a:off x="714348" y="1762125"/>
+            <a:ext cx="7696200" cy="5095875"/>
+          </a:xfrm>
+          <a:prstGeom prst="rect">
+            <a:avLst/>
+          </a:prstGeom>
+        </p:spPr>
+      </p:pic>
+      <p:sp>
+        <p:nvSpPr>
+          <p:cNvPr id="3" name="Retângulo 2"/>
+          <p:cNvSpPr/>
+          <p:nvPr/>
+        </p:nvSpPr>
+        <p:spPr>
+          <a:xfrm>
+            <a:off x="714348" y="785794"/>
+            <a:ext cx="7379200" cy="707886"/>
+          </a:xfrm>
+          <a:prstGeom prst="rect">
+            <a:avLst/>
+          </a:prstGeom>
+          <a:noFill/>
+        </p:spPr>
+        <p:txBody>
+          <a:bodyPr wrap="none" lIns="91440" tIns="45720" rIns="91440" bIns="45720">
+            <a:spAutoFit/>
+          </a:bodyPr>
+          <a:lstStyle/>
+          <a:p>
+            <a:pPr algn="ctr"/>
+            <a:r>
+              <a:rPr lang="pt-BR" sz="4000" b="1" dirty="0" smtClean="0">
+                <a:ln w="12700">
+                  <a:solidFill>
+                    <a:schemeClr val="tx2">
+                      <a:satMod val="155000"/>
+                    </a:schemeClr>
+                  </a:solidFill>
+                  <a:prstDash val="solid"/>
+                </a:ln>
+                <a:solidFill>
+                  <a:schemeClr val="tx2"/>
+                </a:solidFill>
+                <a:effectLst>
+                  <a:outerShdw blurRad="41275" dist="20320" dir="1800000" algn="tl" rotWithShape="0">
+                    <a:srgbClr val="000000">
+                      <a:alpha val="40000"/>
+                    </a:srgbClr>
+                  </a:outerShdw>
+                </a:effectLst>
+              </a:rPr>
+              <a:t>Validando instalação via CMD</a:t>
+            </a:r>
+            <a:endParaRPr lang="pt-BR" sz="4000" b="1" dirty="0">
+              <a:ln w="12700">
+                <a:solidFill>
+                  <a:schemeClr val="tx2">
+                    <a:satMod val="155000"/>
+                  </a:schemeClr>
+                </a:solidFill>
+                <a:prstDash val="solid"/>
+              </a:ln>
+              <a:solidFill>
+                <a:schemeClr val="tx2"/>
+              </a:solidFill>
+              <a:effectLst>
+                <a:outerShdw blurRad="41275" dist="20320" dir="1800000" algn="tl" rotWithShape="0">
+                  <a:srgbClr val="000000">
+                    <a:alpha val="40000"/>
+                  </a:srgbClr>
+                </a:outerShdw>
+              </a:effectLst>
+            </a:endParaRPr>
+          </a:p>
+        </p:txBody>
+      </p:sp>
     </p:spTree>
   </p:cSld>
   <p:clrMapOvr>
@@ -4278,6 +5352,108 @@
           <a:chExt cx="0" cy="0"/>
         </a:xfrm>
       </p:grpSpPr>
+      <p:pic>
+        <p:nvPicPr>
+          <p:cNvPr id="1026" name="Picture 2"/>
+          <p:cNvPicPr>
+            <a:picLocks noChangeAspect="1" noChangeArrowheads="1"/>
+          </p:cNvPicPr>
+          <p:nvPr/>
+        </p:nvPicPr>
+        <p:blipFill>
+          <a:blip r:embed="rId2"/>
+          <a:srcRect/>
+          <a:stretch>
+            <a:fillRect/>
+          </a:stretch>
+        </p:blipFill>
+        <p:spPr bwMode="auto">
+          <a:xfrm>
+            <a:off x="1285875" y="1995508"/>
+            <a:ext cx="6572250" cy="4362450"/>
+          </a:xfrm>
+          <a:prstGeom prst="rect">
+            <a:avLst/>
+          </a:prstGeom>
+          <a:noFill/>
+          <a:ln w="9525">
+            <a:noFill/>
+            <a:miter lim="800000"/>
+            <a:headEnd/>
+            <a:tailEnd/>
+          </a:ln>
+          <a:effectLst/>
+        </p:spPr>
+      </p:pic>
+      <p:sp>
+        <p:nvSpPr>
+          <p:cNvPr id="3" name="Retângulo 2"/>
+          <p:cNvSpPr/>
+          <p:nvPr/>
+        </p:nvSpPr>
+        <p:spPr>
+          <a:xfrm>
+            <a:off x="714348" y="785794"/>
+            <a:ext cx="4211217" cy="707886"/>
+          </a:xfrm>
+          <a:prstGeom prst="rect">
+            <a:avLst/>
+          </a:prstGeom>
+          <a:noFill/>
+        </p:spPr>
+        <p:txBody>
+          <a:bodyPr wrap="none" lIns="91440" tIns="45720" rIns="91440" bIns="45720">
+            <a:spAutoFit/>
+          </a:bodyPr>
+          <a:lstStyle/>
+          <a:p>
+            <a:pPr algn="ctr"/>
+            <a:r>
+              <a:rPr lang="pt-BR" sz="4000" b="1" dirty="0" smtClean="0">
+                <a:ln w="12700">
+                  <a:solidFill>
+                    <a:schemeClr val="tx2">
+                      <a:satMod val="155000"/>
+                    </a:schemeClr>
+                  </a:solidFill>
+                  <a:prstDash val="solid"/>
+                </a:ln>
+                <a:solidFill>
+                  <a:schemeClr val="tx2"/>
+                </a:solidFill>
+                <a:effectLst>
+                  <a:outerShdw blurRad="41275" dist="20320" dir="1800000" algn="tl" rotWithShape="0">
+                    <a:srgbClr val="000000">
+                      <a:alpha val="40000"/>
+                    </a:srgbClr>
+                  </a:outerShdw>
+                </a:effectLst>
+              </a:rPr>
+              <a:t>Criando usuário </a:t>
+            </a:r>
+            <a:endParaRPr lang="pt-BR" sz="4000" b="1" dirty="0">
+              <a:ln w="12700">
+                <a:solidFill>
+                  <a:schemeClr val="tx2">
+                    <a:satMod val="155000"/>
+                  </a:schemeClr>
+                </a:solidFill>
+                <a:prstDash val="solid"/>
+              </a:ln>
+              <a:solidFill>
+                <a:schemeClr val="tx2"/>
+              </a:solidFill>
+              <a:effectLst>
+                <a:outerShdw blurRad="41275" dist="20320" dir="1800000" algn="tl" rotWithShape="0">
+                  <a:srgbClr val="000000">
+                    <a:alpha val="40000"/>
+                  </a:srgbClr>
+                </a:outerShdw>
+              </a:effectLst>
+            </a:endParaRPr>
+          </a:p>
+        </p:txBody>
+      </p:sp>
     </p:spTree>
   </p:cSld>
   <p:clrMapOvr>
@@ -4303,6 +5479,99 @@
           <a:chExt cx="0" cy="0"/>
         </a:xfrm>
       </p:grpSpPr>
+      <p:pic>
+        <p:nvPicPr>
+          <p:cNvPr id="2" name="Imagem 1" descr="4.jpg"/>
+          <p:cNvPicPr>
+            <a:picLocks noChangeAspect="1"/>
+          </p:cNvPicPr>
+          <p:nvPr/>
+        </p:nvPicPr>
+        <p:blipFill>
+          <a:blip r:embed="rId2"/>
+          <a:stretch>
+            <a:fillRect/>
+          </a:stretch>
+        </p:blipFill>
+        <p:spPr>
+          <a:xfrm>
+            <a:off x="285720" y="1909765"/>
+            <a:ext cx="8588594" cy="4805383"/>
+          </a:xfrm>
+          <a:prstGeom prst="rect">
+            <a:avLst/>
+          </a:prstGeom>
+        </p:spPr>
+      </p:pic>
+      <p:sp>
+        <p:nvSpPr>
+          <p:cNvPr id="3" name="Retângulo 2"/>
+          <p:cNvSpPr/>
+          <p:nvPr/>
+        </p:nvSpPr>
+        <p:spPr>
+          <a:xfrm>
+            <a:off x="714348" y="785794"/>
+            <a:ext cx="6172139" cy="707886"/>
+          </a:xfrm>
+          <a:prstGeom prst="rect">
+            <a:avLst/>
+          </a:prstGeom>
+          <a:noFill/>
+        </p:spPr>
+        <p:txBody>
+          <a:bodyPr wrap="none" lIns="91440" tIns="45720" rIns="91440" bIns="45720">
+            <a:spAutoFit/>
+          </a:bodyPr>
+          <a:lstStyle/>
+          <a:p>
+            <a:pPr algn="ctr"/>
+            <a:r>
+              <a:rPr lang="pt-BR" sz="4000" b="1" dirty="0" smtClean="0">
+                <a:ln w="12700">
+                  <a:solidFill>
+                    <a:schemeClr val="tx2">
+                      <a:satMod val="155000"/>
+                    </a:schemeClr>
+                  </a:solidFill>
+                  <a:prstDash val="solid"/>
+                </a:ln>
+                <a:solidFill>
+                  <a:schemeClr val="tx2"/>
+                </a:solidFill>
+                <a:effectLst>
+                  <a:outerShdw blurRad="41275" dist="20320" dir="1800000" algn="tl" rotWithShape="0">
+                    <a:srgbClr val="000000">
+                      <a:alpha val="40000"/>
+                    </a:srgbClr>
+                  </a:outerShdw>
+                </a:effectLst>
+              </a:rPr>
+              <a:t>Segurança no SQL Server</a:t>
+            </a:r>
+            <a:endParaRPr lang="pt-BR" sz="4000" b="1" dirty="0">
+              <a:ln w="12700">
+                <a:solidFill>
+                  <a:schemeClr val="tx2">
+                    <a:satMod val="155000"/>
+                  </a:schemeClr>
+                </a:solidFill>
+                <a:prstDash val="solid"/>
+              </a:ln>
+              <a:solidFill>
+                <a:schemeClr val="tx2"/>
+              </a:solidFill>
+              <a:effectLst>
+                <a:outerShdw blurRad="41275" dist="20320" dir="1800000" algn="tl" rotWithShape="0">
+                  <a:srgbClr val="000000">
+                    <a:alpha val="40000"/>
+                  </a:srgbClr>
+                </a:outerShdw>
+              </a:effectLst>
+            </a:endParaRPr>
+          </a:p>
+        </p:txBody>
+      </p:sp>
     </p:spTree>
   </p:cSld>
   <p:clrMapOvr>
@@ -4328,6 +5597,79 @@
           <a:chExt cx="0" cy="0"/>
         </a:xfrm>
       </p:grpSpPr>
+      <p:pic>
+        <p:nvPicPr>
+          <p:cNvPr id="3" name="Imagem 2" descr="5.JPG"/>
+          <p:cNvPicPr>
+            <a:picLocks noChangeAspect="1"/>
+          </p:cNvPicPr>
+          <p:nvPr/>
+        </p:nvPicPr>
+        <p:blipFill>
+          <a:blip r:embed="rId2"/>
+          <a:stretch>
+            <a:fillRect/>
+          </a:stretch>
+        </p:blipFill>
+        <p:spPr>
+          <a:xfrm>
+            <a:off x="428596" y="1490908"/>
+            <a:ext cx="7944602" cy="5367092"/>
+          </a:xfrm>
+          <a:prstGeom prst="rect">
+            <a:avLst/>
+          </a:prstGeom>
+        </p:spPr>
+      </p:pic>
+      <p:sp>
+        <p:nvSpPr>
+          <p:cNvPr id="4" name="Retângulo 3"/>
+          <p:cNvSpPr/>
+          <p:nvPr/>
+        </p:nvSpPr>
+        <p:spPr>
+          <a:xfrm>
+            <a:off x="571472" y="714356"/>
+            <a:ext cx="5527089" cy="707886"/>
+          </a:xfrm>
+          <a:prstGeom prst="rect">
+            <a:avLst/>
+          </a:prstGeom>
+          <a:noFill/>
+        </p:spPr>
+        <p:txBody>
+          <a:bodyPr wrap="none" lIns="91440" tIns="45720" rIns="91440" bIns="45720">
+            <a:spAutoFit/>
+          </a:bodyPr>
+          <a:lstStyle/>
+          <a:p>
+            <a:pPr algn="ctr"/>
+            <a:r>
+              <a:rPr lang="pt-BR" sz="4000" b="1" dirty="0" smtClean="0">
+                <a:ln w="12700">
+                  <a:solidFill>
+                    <a:schemeClr val="tx2">
+                      <a:satMod val="155000"/>
+                    </a:schemeClr>
+                  </a:solidFill>
+                  <a:prstDash val="solid"/>
+                </a:ln>
+                <a:solidFill>
+                  <a:schemeClr val="tx2"/>
+                </a:solidFill>
+                <a:effectLst>
+                  <a:outerShdw blurRad="41275" dist="20320" dir="1800000" algn="tl" rotWithShape="0">
+                    <a:srgbClr val="000000">
+                      <a:alpha val="40000"/>
+                    </a:srgbClr>
+                  </a:outerShdw>
+                </a:effectLst>
+              </a:rPr>
+              <a:t>Autorização de Acesso</a:t>
+            </a:r>
+          </a:p>
+        </p:txBody>
+      </p:sp>
     </p:spTree>
   </p:cSld>
   <p:clrMapOvr>
@@ -4353,6 +5695,88 @@
           <a:chExt cx="0" cy="0"/>
         </a:xfrm>
       </p:grpSpPr>
+      <p:pic>
+        <p:nvPicPr>
+          <p:cNvPr id="3074" name="Picture 2"/>
+          <p:cNvPicPr>
+            <a:picLocks noChangeAspect="1" noChangeArrowheads="1"/>
+          </p:cNvPicPr>
+          <p:nvPr/>
+        </p:nvPicPr>
+        <p:blipFill>
+          <a:blip r:embed="rId2"/>
+          <a:srcRect/>
+          <a:stretch>
+            <a:fillRect/>
+          </a:stretch>
+        </p:blipFill>
+        <p:spPr bwMode="auto">
+          <a:xfrm>
+            <a:off x="71438" y="2214554"/>
+            <a:ext cx="8858280" cy="2952760"/>
+          </a:xfrm>
+          <a:prstGeom prst="rect">
+            <a:avLst/>
+          </a:prstGeom>
+          <a:noFill/>
+          <a:ln w="9525">
+            <a:noFill/>
+            <a:miter lim="800000"/>
+            <a:headEnd/>
+            <a:tailEnd/>
+          </a:ln>
+          <a:effectLst/>
+        </p:spPr>
+      </p:pic>
+      <p:sp>
+        <p:nvSpPr>
+          <p:cNvPr id="4" name="Retângulo 3"/>
+          <p:cNvSpPr/>
+          <p:nvPr/>
+        </p:nvSpPr>
+        <p:spPr>
+          <a:xfrm>
+            <a:off x="571472" y="714356"/>
+            <a:ext cx="5527089" cy="707886"/>
+          </a:xfrm>
+          <a:prstGeom prst="rect">
+            <a:avLst/>
+          </a:prstGeom>
+          <a:noFill/>
+        </p:spPr>
+        <p:txBody>
+          <a:bodyPr wrap="none" lIns="91440" tIns="45720" rIns="91440" bIns="45720">
+            <a:spAutoFit/>
+          </a:bodyPr>
+          <a:lstStyle/>
+          <a:p>
+            <a:pPr algn="ctr"/>
+            <a:r>
+              <a:rPr lang="pt-BR" sz="4000" b="1" dirty="0" smtClean="0">
+                <a:ln w="12700">
+                  <a:solidFill>
+                    <a:schemeClr val="tx2">
+                      <a:satMod val="155000"/>
+                    </a:schemeClr>
+                  </a:solidFill>
+                  <a:prstDash val="solid"/>
+                </a:ln>
+                <a:solidFill>
+                  <a:schemeClr val="tx2"/>
+                </a:solidFill>
+                <a:effectLst>
+                  <a:outerShdw blurRad="41275" dist="20320" dir="1800000" algn="tl" rotWithShape="0">
+                    <a:srgbClr val="000000">
+                      <a:alpha val="40000"/>
+                    </a:srgbClr>
+                  </a:outerShdw>
+                </a:effectLst>
+              </a:rPr>
+              <a:t>Autorização de Acesso</a:t>
+            </a:r>
+          </a:p>
+        </p:txBody>
+      </p:sp>
     </p:spTree>
   </p:cSld>
   <p:clrMapOvr>
@@ -4378,6 +5802,79 @@
           <a:chExt cx="0" cy="0"/>
         </a:xfrm>
       </p:grpSpPr>
+      <p:pic>
+        <p:nvPicPr>
+          <p:cNvPr id="6" name="Imagem 5" descr="7.jpg"/>
+          <p:cNvPicPr>
+            <a:picLocks noChangeAspect="1"/>
+          </p:cNvPicPr>
+          <p:nvPr/>
+        </p:nvPicPr>
+        <p:blipFill>
+          <a:blip r:embed="rId2"/>
+          <a:stretch>
+            <a:fillRect/>
+          </a:stretch>
+        </p:blipFill>
+        <p:spPr>
+          <a:xfrm>
+            <a:off x="428596" y="2071678"/>
+            <a:ext cx="7991475" cy="3524250"/>
+          </a:xfrm>
+          <a:prstGeom prst="rect">
+            <a:avLst/>
+          </a:prstGeom>
+        </p:spPr>
+      </p:pic>
+      <p:sp>
+        <p:nvSpPr>
+          <p:cNvPr id="7" name="Retângulo 6"/>
+          <p:cNvSpPr/>
+          <p:nvPr/>
+        </p:nvSpPr>
+        <p:spPr>
+          <a:xfrm>
+            <a:off x="571472" y="714356"/>
+            <a:ext cx="5527089" cy="707886"/>
+          </a:xfrm>
+          <a:prstGeom prst="rect">
+            <a:avLst/>
+          </a:prstGeom>
+          <a:noFill/>
+        </p:spPr>
+        <p:txBody>
+          <a:bodyPr wrap="none" lIns="91440" tIns="45720" rIns="91440" bIns="45720">
+            <a:spAutoFit/>
+          </a:bodyPr>
+          <a:lstStyle/>
+          <a:p>
+            <a:pPr algn="ctr"/>
+            <a:r>
+              <a:rPr lang="pt-BR" sz="4000" b="1" dirty="0" smtClean="0">
+                <a:ln w="12700">
+                  <a:solidFill>
+                    <a:schemeClr val="tx2">
+                      <a:satMod val="155000"/>
+                    </a:schemeClr>
+                  </a:solidFill>
+                  <a:prstDash val="solid"/>
+                </a:ln>
+                <a:solidFill>
+                  <a:schemeClr val="tx2"/>
+                </a:solidFill>
+                <a:effectLst>
+                  <a:outerShdw blurRad="41275" dist="20320" dir="1800000" algn="tl" rotWithShape="0">
+                    <a:srgbClr val="000000">
+                      <a:alpha val="40000"/>
+                    </a:srgbClr>
+                  </a:outerShdw>
+                </a:effectLst>
+              </a:rPr>
+              <a:t>Autorização de Acesso</a:t>
+            </a:r>
+          </a:p>
+        </p:txBody>
+      </p:sp>
     </p:spTree>
   </p:cSld>
   <p:clrMapOvr>
@@ -4403,6 +5900,30 @@
           <a:chExt cx="0" cy="0"/>
         </a:xfrm>
       </p:grpSpPr>
+      <p:pic>
+        <p:nvPicPr>
+          <p:cNvPr id="2" name="Imagem 1" descr="8.JPG"/>
+          <p:cNvPicPr>
+            <a:picLocks noChangeAspect="1"/>
+          </p:cNvPicPr>
+          <p:nvPr/>
+        </p:nvPicPr>
+        <p:blipFill>
+          <a:blip r:embed="rId2"/>
+          <a:stretch>
+            <a:fillRect/>
+          </a:stretch>
+        </p:blipFill>
+        <p:spPr>
+          <a:xfrm>
+            <a:off x="0" y="2071678"/>
+            <a:ext cx="8981880" cy="3024202"/>
+          </a:xfrm>
+          <a:prstGeom prst="rect">
+            <a:avLst/>
+          </a:prstGeom>
+        </p:spPr>
+      </p:pic>
     </p:spTree>
   </p:cSld>
   <p:clrMapOvr>
